--- a/research.pptx
+++ b/research.pptx
@@ -107,6 +107,11 @@
       </a:defRPr>
     </a:lvl9pPr>
   </p:defaultTextStyle>
+  <p:extLst>
+    <p:ext uri="{EFAFB233-063F-42B5-8137-9DF3F51BA10A}">
+      <p15:sldGuideLst xmlns:p15="http://schemas.microsoft.com/office/powerpoint/2012/main"/>
+    </p:ext>
+  </p:extLst>
 </p:presentation>
 </file>
 
@@ -241,7 +246,7 @@
           <a:p>
             <a:fld id="{09E8EDEC-27B7-4773-AEB6-23AA9A9399FF}" type="datetimeFigureOut">
               <a:rPr lang="fr-FR" smtClean="0"/>
-              <a:t>11/04/2018</a:t>
+              <a:t>12/04/2018</a:t>
             </a:fld>
             <a:endParaRPr lang="fr-FR"/>
           </a:p>
@@ -411,7 +416,7 @@
           <a:p>
             <a:fld id="{09E8EDEC-27B7-4773-AEB6-23AA9A9399FF}" type="datetimeFigureOut">
               <a:rPr lang="fr-FR" smtClean="0"/>
-              <a:t>11/04/2018</a:t>
+              <a:t>12/04/2018</a:t>
             </a:fld>
             <a:endParaRPr lang="fr-FR"/>
           </a:p>
@@ -591,7 +596,7 @@
           <a:p>
             <a:fld id="{09E8EDEC-27B7-4773-AEB6-23AA9A9399FF}" type="datetimeFigureOut">
               <a:rPr lang="fr-FR" smtClean="0"/>
-              <a:t>11/04/2018</a:t>
+              <a:t>12/04/2018</a:t>
             </a:fld>
             <a:endParaRPr lang="fr-FR"/>
           </a:p>
@@ -761,7 +766,7 @@
           <a:p>
             <a:fld id="{09E8EDEC-27B7-4773-AEB6-23AA9A9399FF}" type="datetimeFigureOut">
               <a:rPr lang="fr-FR" smtClean="0"/>
-              <a:t>11/04/2018</a:t>
+              <a:t>12/04/2018</a:t>
             </a:fld>
             <a:endParaRPr lang="fr-FR"/>
           </a:p>
@@ -1007,7 +1012,7 @@
           <a:p>
             <a:fld id="{09E8EDEC-27B7-4773-AEB6-23AA9A9399FF}" type="datetimeFigureOut">
               <a:rPr lang="fr-FR" smtClean="0"/>
-              <a:t>11/04/2018</a:t>
+              <a:t>12/04/2018</a:t>
             </a:fld>
             <a:endParaRPr lang="fr-FR"/>
           </a:p>
@@ -1239,7 +1244,7 @@
           <a:p>
             <a:fld id="{09E8EDEC-27B7-4773-AEB6-23AA9A9399FF}" type="datetimeFigureOut">
               <a:rPr lang="fr-FR" smtClean="0"/>
-              <a:t>11/04/2018</a:t>
+              <a:t>12/04/2018</a:t>
             </a:fld>
             <a:endParaRPr lang="fr-FR"/>
           </a:p>
@@ -1606,7 +1611,7 @@
           <a:p>
             <a:fld id="{09E8EDEC-27B7-4773-AEB6-23AA9A9399FF}" type="datetimeFigureOut">
               <a:rPr lang="fr-FR" smtClean="0"/>
-              <a:t>11/04/2018</a:t>
+              <a:t>12/04/2018</a:t>
             </a:fld>
             <a:endParaRPr lang="fr-FR"/>
           </a:p>
@@ -1724,7 +1729,7 @@
           <a:p>
             <a:fld id="{09E8EDEC-27B7-4773-AEB6-23AA9A9399FF}" type="datetimeFigureOut">
               <a:rPr lang="fr-FR" smtClean="0"/>
-              <a:t>11/04/2018</a:t>
+              <a:t>12/04/2018</a:t>
             </a:fld>
             <a:endParaRPr lang="fr-FR"/>
           </a:p>
@@ -1819,7 +1824,7 @@
           <a:p>
             <a:fld id="{09E8EDEC-27B7-4773-AEB6-23AA9A9399FF}" type="datetimeFigureOut">
               <a:rPr lang="fr-FR" smtClean="0"/>
-              <a:t>11/04/2018</a:t>
+              <a:t>12/04/2018</a:t>
             </a:fld>
             <a:endParaRPr lang="fr-FR"/>
           </a:p>
@@ -2096,7 +2101,7 @@
           <a:p>
             <a:fld id="{09E8EDEC-27B7-4773-AEB6-23AA9A9399FF}" type="datetimeFigureOut">
               <a:rPr lang="fr-FR" smtClean="0"/>
-              <a:t>11/04/2018</a:t>
+              <a:t>12/04/2018</a:t>
             </a:fld>
             <a:endParaRPr lang="fr-FR"/>
           </a:p>
@@ -2349,7 +2354,7 @@
           <a:p>
             <a:fld id="{09E8EDEC-27B7-4773-AEB6-23AA9A9399FF}" type="datetimeFigureOut">
               <a:rPr lang="fr-FR" smtClean="0"/>
-              <a:t>11/04/2018</a:t>
+              <a:t>12/04/2018</a:t>
             </a:fld>
             <a:endParaRPr lang="fr-FR"/>
           </a:p>
@@ -2562,7 +2567,7 @@
           <a:p>
             <a:fld id="{09E8EDEC-27B7-4773-AEB6-23AA9A9399FF}" type="datetimeFigureOut">
               <a:rPr lang="fr-FR" smtClean="0"/>
-              <a:t>11/04/2018</a:t>
+              <a:t>12/04/2018</a:t>
             </a:fld>
             <a:endParaRPr lang="fr-FR"/>
           </a:p>
@@ -3451,8 +3456,20 @@
               <a:rPr lang="en-US" dirty="0" smtClean="0"/>
             </a:br>
             <a:r>
+              <a:rPr lang="en-US" dirty="0"/>
+              <a:t>(more general, shorter</a:t>
+            </a:r>
+            <a:r>
               <a:rPr lang="en-US" dirty="0" smtClean="0"/>
-              <a:t>(shorter, more general, more intuitive, etc.)</a:t>
+              <a:t>, </a:t>
+            </a:r>
+            <a:r>
+              <a:rPr lang="en-US" dirty="0" smtClean="0"/>
+              <a:t>more </a:t>
+            </a:r>
+            <a:r>
+              <a:rPr lang="en-US" dirty="0" smtClean="0"/>
+              <a:t>intuitive, etc.)</a:t>
             </a:r>
           </a:p>
         </p:txBody>
@@ -3546,12 +3563,14 @@
           </a:xfrm>
         </p:spPr>
         <p:txBody>
-          <a:bodyPr/>
+          <a:bodyPr>
+            <a:normAutofit fontScale="85000" lnSpcReduction="20000"/>
+          </a:bodyPr>
           <a:lstStyle/>
           <a:p>
             <a:pPr>
               <a:lnSpc>
-                <a:spcPct val="100000"/>
+                <a:spcPct val="150000"/>
               </a:lnSpc>
             </a:pPr>
             <a:r>
@@ -3562,7 +3581,7 @@
           <a:p>
             <a:pPr lvl="1">
               <a:lnSpc>
-                <a:spcPct val="100000"/>
+                <a:spcPct val="150000"/>
               </a:lnSpc>
             </a:pPr>
             <a:r>
@@ -3579,7 +3598,7 @@
             </a:r>
             <a:r>
               <a:rPr lang="fr-FR" dirty="0" err="1" smtClean="0"/>
-              <a:t>methodology</a:t>
+              <a:t>method</a:t>
             </a:r>
             <a:r>
               <a:rPr lang="fr-FR" dirty="0" smtClean="0"/>
@@ -3610,35 +3629,47 @@
           <a:p>
             <a:pPr lvl="1">
               <a:lnSpc>
-                <a:spcPct val="100000"/>
+                <a:spcPct val="150000"/>
               </a:lnSpc>
             </a:pPr>
             <a:r>
               <a:rPr lang="fr-FR" dirty="0" err="1" smtClean="0"/>
-              <a:t>Methodology</a:t>
+              <a:t>Tested</a:t>
             </a:r>
             <a:r>
               <a:rPr lang="fr-FR" dirty="0" smtClean="0"/>
               <a:t> </a:t>
             </a:r>
             <a:r>
-              <a:rPr lang="fr-FR" dirty="0" err="1" smtClean="0"/>
-              <a:t>tested</a:t>
-            </a:r>
-            <a:r>
-              <a:rPr lang="fr-FR" dirty="0" smtClean="0"/>
-              <a:t> on </a:t>
+              <a:rPr lang="fr-FR" dirty="0" smtClean="0"/>
+              <a:t>on </a:t>
             </a:r>
             <a:r>
               <a:rPr lang="fr-FR" dirty="0" err="1" smtClean="0"/>
               <a:t>Paxos</a:t>
+            </a:r>
+            <a:r>
+              <a:rPr lang="fr-FR" dirty="0" smtClean="0"/>
+              <a:t> </a:t>
+            </a:r>
+            <a:r>
+              <a:rPr lang="fr-FR" dirty="0" err="1" smtClean="0"/>
+              <a:t>using</a:t>
+            </a:r>
+            <a:r>
+              <a:rPr lang="fr-FR" dirty="0" smtClean="0"/>
+              <a:t> </a:t>
+            </a:r>
+            <a:r>
+              <a:rPr lang="fr-FR" dirty="0" err="1" smtClean="0"/>
+              <a:t>IVy</a:t>
             </a:r>
             <a:endParaRPr lang="fr-FR" dirty="0" smtClean="0"/>
           </a:p>
           <a:p>
             <a:pPr lvl="1">
               <a:lnSpc>
-                <a:spcPct val="100000"/>
+                <a:spcPct val="150000"/>
               </a:lnSpc>
             </a:pPr>
             <a:endParaRPr lang="fr-FR" dirty="0"/>
@@ -3646,7 +3677,7 @@
           <a:p>
             <a:pPr>
               <a:lnSpc>
-                <a:spcPct val="100000"/>
+                <a:spcPct val="150000"/>
               </a:lnSpc>
             </a:pPr>
             <a:r>
@@ -3665,7 +3696,7 @@
           <a:p>
             <a:pPr lvl="1">
               <a:lnSpc>
-                <a:spcPct val="100000"/>
+                <a:spcPct val="150000"/>
               </a:lnSpc>
             </a:pPr>
             <a:r>
@@ -3739,7 +3770,7 @@
           <a:p>
             <a:pPr lvl="1">
               <a:lnSpc>
-                <a:spcPct val="100000"/>
+                <a:spcPct val="150000"/>
               </a:lnSpc>
             </a:pPr>
             <a:r>
@@ -3898,12 +3929,634 @@
             <p:ph idx="1"/>
           </p:nvPr>
         </p:nvSpPr>
-        <p:spPr/>
-        <p:txBody>
-          <a:bodyPr/>
-          <a:lstStyle/>
-          <a:p>
-            <a:endParaRPr lang="fr-FR"/>
+        <p:spPr>
+          <a:xfrm>
+            <a:off x="838200" y="1698537"/>
+            <a:ext cx="10515600" cy="4351338"/>
+          </a:xfrm>
+        </p:spPr>
+        <p:txBody>
+          <a:bodyPr>
+            <a:normAutofit/>
+          </a:bodyPr>
+          <a:lstStyle/>
+          <a:p>
+            <a:pPr>
+              <a:lnSpc>
+                <a:spcPct val="100000"/>
+              </a:lnSpc>
+            </a:pPr>
+            <a:r>
+              <a:rPr lang="fr-FR" dirty="0" smtClean="0"/>
+              <a:t>State of the art:</a:t>
+            </a:r>
+          </a:p>
+          <a:p>
+            <a:pPr lvl="1">
+              <a:lnSpc>
+                <a:spcPct val="100000"/>
+              </a:lnSpc>
+            </a:pPr>
+            <a:r>
+              <a:rPr lang="fr-FR" dirty="0" err="1" smtClean="0"/>
+              <a:t>Manual</a:t>
+            </a:r>
+            <a:r>
+              <a:rPr lang="fr-FR" dirty="0" smtClean="0"/>
+              <a:t> </a:t>
+            </a:r>
+            <a:r>
+              <a:rPr lang="fr-FR" dirty="0" err="1" smtClean="0"/>
+              <a:t>method</a:t>
+            </a:r>
+            <a:endParaRPr lang="fr-FR" dirty="0" smtClean="0"/>
+          </a:p>
+          <a:p>
+            <a:pPr lvl="1">
+              <a:lnSpc>
+                <a:spcPct val="100000"/>
+              </a:lnSpc>
+            </a:pPr>
+            <a:r>
+              <a:rPr lang="fr-FR" dirty="0" err="1" smtClean="0"/>
+              <a:t>Tested</a:t>
+            </a:r>
+            <a:r>
+              <a:rPr lang="fr-FR" dirty="0" smtClean="0"/>
+              <a:t> on Raft &amp; </a:t>
+            </a:r>
+            <a:r>
+              <a:rPr lang="fr-FR" dirty="0" err="1" smtClean="0"/>
+              <a:t>Paxos</a:t>
+            </a:r>
+            <a:r>
+              <a:rPr lang="fr-FR" dirty="0" smtClean="0"/>
+              <a:t> </a:t>
+            </a:r>
+            <a:r>
+              <a:rPr lang="fr-FR" dirty="0" err="1" smtClean="0"/>
+              <a:t>using</a:t>
+            </a:r>
+            <a:r>
+              <a:rPr lang="fr-FR" dirty="0" smtClean="0"/>
+              <a:t> </a:t>
+            </a:r>
+            <a:r>
+              <a:rPr lang="fr-FR" dirty="0" err="1" smtClean="0"/>
+              <a:t>Ivy</a:t>
+            </a:r>
+            <a:endParaRPr lang="fr-FR" dirty="0" smtClean="0"/>
+          </a:p>
+          <a:p>
+            <a:pPr lvl="1">
+              <a:lnSpc>
+                <a:spcPct val="100000"/>
+              </a:lnSpc>
+            </a:pPr>
+            <a:endParaRPr lang="fr-FR" dirty="0"/>
+          </a:p>
+          <a:p>
+            <a:pPr>
+              <a:lnSpc>
+                <a:spcPct val="100000"/>
+              </a:lnSpc>
+            </a:pPr>
+            <a:r>
+              <a:rPr lang="fr-FR" dirty="0" smtClean="0"/>
+              <a:t>Possible </a:t>
+            </a:r>
+            <a:r>
+              <a:rPr lang="fr-FR" dirty="0" err="1" smtClean="0"/>
+              <a:t>improvements</a:t>
+            </a:r>
+            <a:r>
+              <a:rPr lang="fr-FR" dirty="0" smtClean="0"/>
+              <a:t>:</a:t>
+            </a:r>
+          </a:p>
+          <a:p>
+            <a:pPr lvl="1">
+              <a:lnSpc>
+                <a:spcPct val="100000"/>
+              </a:lnSpc>
+            </a:pPr>
+            <a:r>
+              <a:rPr lang="fr-FR" dirty="0" err="1" smtClean="0"/>
+              <a:t>Find</a:t>
+            </a:r>
+            <a:r>
+              <a:rPr lang="fr-FR" dirty="0" smtClean="0"/>
+              <a:t> an semi-</a:t>
+            </a:r>
+            <a:r>
+              <a:rPr lang="fr-FR" dirty="0" err="1" smtClean="0"/>
+              <a:t>automated</a:t>
+            </a:r>
+            <a:r>
+              <a:rPr lang="fr-FR" dirty="0" smtClean="0"/>
+              <a:t> </a:t>
+            </a:r>
+            <a:r>
+              <a:rPr lang="fr-FR" dirty="0" err="1" smtClean="0"/>
+              <a:t>method</a:t>
+            </a:r>
+            <a:r>
+              <a:rPr lang="fr-FR" dirty="0" smtClean="0"/>
+              <a:t> to help the user to </a:t>
+            </a:r>
+            <a:r>
+              <a:rPr lang="fr-FR" dirty="0" err="1" smtClean="0"/>
+              <a:t>define</a:t>
+            </a:r>
+            <a:r>
+              <a:rPr lang="fr-FR" dirty="0" smtClean="0"/>
+              <a:t> the right </a:t>
+            </a:r>
+            <a:r>
+              <a:rPr lang="fr-FR" i="1" dirty="0" err="1" smtClean="0"/>
+              <a:t>ghost</a:t>
+            </a:r>
+            <a:r>
+              <a:rPr lang="fr-FR" i="1" dirty="0" smtClean="0"/>
+              <a:t> modules</a:t>
+            </a:r>
+            <a:endParaRPr lang="fr-FR" dirty="0"/>
+          </a:p>
+        </p:txBody>
+      </p:sp>
+      <p:pic>
+        <p:nvPicPr>
+          <p:cNvPr id="4" name="Image 3"/>
+          <p:cNvPicPr>
+            <a:picLocks noChangeAspect="1"/>
+          </p:cNvPicPr>
+          <p:nvPr/>
+        </p:nvPicPr>
+        <p:blipFill>
+          <a:blip r:embed="rId2"/>
+          <a:stretch>
+            <a:fillRect/>
+          </a:stretch>
+        </p:blipFill>
+        <p:spPr>
+          <a:xfrm>
+            <a:off x="7403042" y="5124450"/>
+            <a:ext cx="2152650" cy="1524000"/>
+          </a:xfrm>
+          <a:prstGeom prst="rect">
+            <a:avLst/>
+          </a:prstGeom>
+        </p:spPr>
+      </p:pic>
+      <p:sp>
+        <p:nvSpPr>
+          <p:cNvPr id="5" name="Rectangle 4"/>
+          <p:cNvSpPr/>
+          <p:nvPr/>
+        </p:nvSpPr>
+        <p:spPr>
+          <a:xfrm>
+            <a:off x="2429934" y="5975350"/>
+            <a:ext cx="1397000" cy="673100"/>
+          </a:xfrm>
+          <a:prstGeom prst="rect">
+            <a:avLst/>
+          </a:prstGeom>
+        </p:spPr>
+        <p:style>
+          <a:lnRef idx="2">
+            <a:schemeClr val="dk1"/>
+          </a:lnRef>
+          <a:fillRef idx="1">
+            <a:schemeClr val="lt1"/>
+          </a:fillRef>
+          <a:effectRef idx="0">
+            <a:schemeClr val="dk1"/>
+          </a:effectRef>
+          <a:fontRef idx="minor">
+            <a:schemeClr val="dk1"/>
+          </a:fontRef>
+        </p:style>
+        <p:txBody>
+          <a:bodyPr rtlCol="0" anchor="ctr"/>
+          <a:lstStyle/>
+          <a:p>
+            <a:pPr algn="ctr"/>
+            <a:r>
+              <a:rPr lang="fr-FR" dirty="0" err="1" smtClean="0"/>
+              <a:t>toy_system</a:t>
+            </a:r>
+            <a:endParaRPr lang="fr-FR" dirty="0"/>
+          </a:p>
+        </p:txBody>
+      </p:sp>
+      <p:sp>
+        <p:nvSpPr>
+          <p:cNvPr id="6" name="Rectangle 5"/>
+          <p:cNvSpPr/>
+          <p:nvPr/>
+        </p:nvSpPr>
+        <p:spPr>
+          <a:xfrm>
+            <a:off x="4597402" y="5975350"/>
+            <a:ext cx="1397000" cy="673100"/>
+          </a:xfrm>
+          <a:prstGeom prst="rect">
+            <a:avLst/>
+          </a:prstGeom>
+        </p:spPr>
+        <p:style>
+          <a:lnRef idx="2">
+            <a:schemeClr val="dk1"/>
+          </a:lnRef>
+          <a:fillRef idx="1">
+            <a:schemeClr val="lt1"/>
+          </a:fillRef>
+          <a:effectRef idx="0">
+            <a:schemeClr val="dk1"/>
+          </a:effectRef>
+          <a:fontRef idx="minor">
+            <a:schemeClr val="dk1"/>
+          </a:fontRef>
+        </p:style>
+        <p:txBody>
+          <a:bodyPr rtlCol="0" anchor="ctr"/>
+          <a:lstStyle/>
+          <a:p>
+            <a:pPr algn="ctr"/>
+            <a:r>
+              <a:rPr lang="fr-FR" dirty="0" err="1" smtClean="0"/>
+              <a:t>nset</a:t>
+            </a:r>
+            <a:endParaRPr lang="fr-FR" dirty="0"/>
+          </a:p>
+        </p:txBody>
+      </p:sp>
+      <p:cxnSp>
+        <p:nvCxnSpPr>
+          <p:cNvPr id="8" name="Connecteur droit avec flèche 7"/>
+          <p:cNvCxnSpPr>
+            <a:stCxn id="5" idx="3"/>
+            <a:endCxn id="6" idx="1"/>
+          </p:cNvCxnSpPr>
+          <p:nvPr/>
+        </p:nvCxnSpPr>
+        <p:spPr>
+          <a:xfrm>
+            <a:off x="3826934" y="6311900"/>
+            <a:ext cx="770468" cy="0"/>
+          </a:xfrm>
+          <a:prstGeom prst="straightConnector1">
+            <a:avLst/>
+          </a:prstGeom>
+          <a:ln>
+            <a:tailEnd type="triangle"/>
+          </a:ln>
+        </p:spPr>
+        <p:style>
+          <a:lnRef idx="1">
+            <a:schemeClr val="dk1"/>
+          </a:lnRef>
+          <a:fillRef idx="0">
+            <a:schemeClr val="dk1"/>
+          </a:fillRef>
+          <a:effectRef idx="0">
+            <a:schemeClr val="dk1"/>
+          </a:effectRef>
+          <a:fontRef idx="minor">
+            <a:schemeClr val="tx1"/>
+          </a:fontRef>
+        </p:style>
+      </p:cxnSp>
+      <p:sp>
+        <p:nvSpPr>
+          <p:cNvPr id="10" name="ZoneTexte 9"/>
+          <p:cNvSpPr txBox="1"/>
+          <p:nvPr/>
+        </p:nvSpPr>
+        <p:spPr>
+          <a:xfrm>
+            <a:off x="3826934" y="6311900"/>
+            <a:ext cx="770468" cy="369332"/>
+          </a:xfrm>
+          <a:prstGeom prst="rect">
+            <a:avLst/>
+          </a:prstGeom>
+          <a:noFill/>
+        </p:spPr>
+        <p:txBody>
+          <a:bodyPr wrap="square" rtlCol="0">
+            <a:spAutoFit/>
+          </a:bodyPr>
+          <a:lstStyle/>
+          <a:p>
+            <a:pPr algn="ctr"/>
+            <a:r>
+              <a:rPr lang="fr-FR" dirty="0" smtClean="0"/>
+              <a:t>use</a:t>
+            </a:r>
+            <a:endParaRPr lang="fr-FR" dirty="0"/>
+          </a:p>
+        </p:txBody>
+      </p:sp>
+      <p:sp>
+        <p:nvSpPr>
+          <p:cNvPr id="11" name="Ellipse 10"/>
+          <p:cNvSpPr/>
+          <p:nvPr/>
+        </p:nvSpPr>
+        <p:spPr>
+          <a:xfrm>
+            <a:off x="2429934" y="5253365"/>
+            <a:ext cx="1303868" cy="533400"/>
+          </a:xfrm>
+          <a:prstGeom prst="ellipse">
+            <a:avLst/>
+          </a:prstGeom>
+        </p:spPr>
+        <p:style>
+          <a:lnRef idx="2">
+            <a:schemeClr val="dk1"/>
+          </a:lnRef>
+          <a:fillRef idx="1">
+            <a:schemeClr val="lt1"/>
+          </a:fillRef>
+          <a:effectRef idx="0">
+            <a:schemeClr val="dk1"/>
+          </a:effectRef>
+          <a:fontRef idx="minor">
+            <a:schemeClr val="dk1"/>
+          </a:fontRef>
+        </p:style>
+        <p:txBody>
+          <a:bodyPr rtlCol="0" anchor="ctr"/>
+          <a:lstStyle/>
+          <a:p>
+            <a:pPr algn="ctr"/>
+            <a:r>
+              <a:rPr lang="fr-FR" dirty="0" smtClean="0"/>
+              <a:t>nset.t</a:t>
+            </a:r>
+            <a:endParaRPr lang="fr-FR" dirty="0"/>
+          </a:p>
+        </p:txBody>
+      </p:sp>
+      <p:sp>
+        <p:nvSpPr>
+          <p:cNvPr id="12" name="Ellipse 11"/>
+          <p:cNvSpPr/>
+          <p:nvPr/>
+        </p:nvSpPr>
+        <p:spPr>
+          <a:xfrm>
+            <a:off x="4301067" y="5254450"/>
+            <a:ext cx="1303868" cy="533400"/>
+          </a:xfrm>
+          <a:prstGeom prst="ellipse">
+            <a:avLst/>
+          </a:prstGeom>
+        </p:spPr>
+        <p:style>
+          <a:lnRef idx="2">
+            <a:schemeClr val="dk1"/>
+          </a:lnRef>
+          <a:fillRef idx="1">
+            <a:schemeClr val="lt1"/>
+          </a:fillRef>
+          <a:effectRef idx="0">
+            <a:schemeClr val="dk1"/>
+          </a:effectRef>
+          <a:fontRef idx="minor">
+            <a:schemeClr val="dk1"/>
+          </a:fontRef>
+        </p:style>
+        <p:txBody>
+          <a:bodyPr rtlCol="0" anchor="ctr"/>
+          <a:lstStyle/>
+          <a:p>
+            <a:pPr algn="ctr"/>
+            <a:r>
+              <a:rPr lang="fr-FR" dirty="0" err="1" smtClean="0"/>
+              <a:t>node</a:t>
+            </a:r>
+            <a:endParaRPr lang="fr-FR" dirty="0"/>
+          </a:p>
+        </p:txBody>
+      </p:sp>
+      <p:cxnSp>
+        <p:nvCxnSpPr>
+          <p:cNvPr id="14" name="Connecteur droit avec flèche 13"/>
+          <p:cNvCxnSpPr>
+            <a:stCxn id="11" idx="6"/>
+            <a:endCxn id="12" idx="2"/>
+          </p:cNvCxnSpPr>
+          <p:nvPr/>
+        </p:nvCxnSpPr>
+        <p:spPr>
+          <a:xfrm>
+            <a:off x="3733802" y="5520065"/>
+            <a:ext cx="567265" cy="1085"/>
+          </a:xfrm>
+          <a:prstGeom prst="straightConnector1">
+            <a:avLst/>
+          </a:prstGeom>
+          <a:ln>
+            <a:tailEnd type="triangle"/>
+          </a:ln>
+        </p:spPr>
+        <p:style>
+          <a:lnRef idx="1">
+            <a:schemeClr val="dk1"/>
+          </a:lnRef>
+          <a:fillRef idx="0">
+            <a:schemeClr val="dk1"/>
+          </a:fillRef>
+          <a:effectRef idx="0">
+            <a:schemeClr val="dk1"/>
+          </a:effectRef>
+          <a:fontRef idx="minor">
+            <a:schemeClr val="tx1"/>
+          </a:fontRef>
+        </p:style>
+      </p:cxnSp>
+      <p:cxnSp>
+        <p:nvCxnSpPr>
+          <p:cNvPr id="18" name="Connecteur en arc 17"/>
+          <p:cNvCxnSpPr>
+            <a:stCxn id="12" idx="1"/>
+            <a:endCxn id="11" idx="7"/>
+          </p:cNvCxnSpPr>
+          <p:nvPr/>
+        </p:nvCxnSpPr>
+        <p:spPr>
+          <a:xfrm rot="16200000" flipV="1">
+            <a:off x="4016893" y="4857443"/>
+            <a:ext cx="1085" cy="949159"/>
+          </a:xfrm>
+          <a:prstGeom prst="curvedConnector3">
+            <a:avLst>
+              <a:gd name="adj1" fmla="val 28368664"/>
+            </a:avLst>
+          </a:prstGeom>
+          <a:ln>
+            <a:tailEnd type="triangle"/>
+          </a:ln>
+        </p:spPr>
+        <p:style>
+          <a:lnRef idx="1">
+            <a:schemeClr val="dk1"/>
+          </a:lnRef>
+          <a:fillRef idx="0">
+            <a:schemeClr val="dk1"/>
+          </a:fillRef>
+          <a:effectRef idx="0">
+            <a:schemeClr val="dk1"/>
+          </a:effectRef>
+          <a:fontRef idx="minor">
+            <a:schemeClr val="tx1"/>
+          </a:fontRef>
+        </p:style>
+      </p:cxnSp>
+      <p:sp>
+        <p:nvSpPr>
+          <p:cNvPr id="22" name="ZoneTexte 21"/>
+          <p:cNvSpPr txBox="1"/>
+          <p:nvPr/>
+        </p:nvSpPr>
+        <p:spPr>
+          <a:xfrm>
+            <a:off x="838200" y="5383265"/>
+            <a:ext cx="1439334" cy="646331"/>
+          </a:xfrm>
+          <a:prstGeom prst="rect">
+            <a:avLst/>
+          </a:prstGeom>
+          <a:noFill/>
+        </p:spPr>
+        <p:txBody>
+          <a:bodyPr wrap="square" rtlCol="0">
+            <a:spAutoFit/>
+          </a:bodyPr>
+          <a:lstStyle/>
+          <a:p>
+            <a:r>
+              <a:rPr lang="fr-FR" dirty="0" smtClean="0"/>
+              <a:t>Quantifier alternations</a:t>
+            </a:r>
+            <a:endParaRPr lang="fr-FR" dirty="0"/>
+          </a:p>
+        </p:txBody>
+      </p:sp>
+      <p:sp>
+        <p:nvSpPr>
+          <p:cNvPr id="23" name="ZoneTexte 22"/>
+          <p:cNvSpPr txBox="1"/>
+          <p:nvPr/>
+        </p:nvSpPr>
+        <p:spPr>
+          <a:xfrm>
+            <a:off x="838200" y="6197395"/>
+            <a:ext cx="1591734" cy="369332"/>
+          </a:xfrm>
+          <a:prstGeom prst="rect">
+            <a:avLst/>
+          </a:prstGeom>
+          <a:noFill/>
+        </p:spPr>
+        <p:txBody>
+          <a:bodyPr wrap="square" rtlCol="0">
+            <a:spAutoFit/>
+          </a:bodyPr>
+          <a:lstStyle/>
+          <a:p>
+            <a:r>
+              <a:rPr lang="fr-FR" dirty="0" smtClean="0"/>
+              <a:t>Structure</a:t>
+            </a:r>
+            <a:endParaRPr lang="fr-FR" dirty="0"/>
+          </a:p>
+        </p:txBody>
+      </p:sp>
+      <p:cxnSp>
+        <p:nvCxnSpPr>
+          <p:cNvPr id="25" name="Connecteur droit avec flèche 24"/>
+          <p:cNvCxnSpPr/>
+          <p:nvPr/>
+        </p:nvCxnSpPr>
+        <p:spPr>
+          <a:xfrm>
+            <a:off x="6467476" y="5786765"/>
+            <a:ext cx="703791" cy="0"/>
+          </a:xfrm>
+          <a:prstGeom prst="straightConnector1">
+            <a:avLst/>
+          </a:prstGeom>
+          <a:ln>
+            <a:tailEnd type="triangle"/>
+          </a:ln>
+        </p:spPr>
+        <p:style>
+          <a:lnRef idx="3">
+            <a:schemeClr val="dk1"/>
+          </a:lnRef>
+          <a:fillRef idx="0">
+            <a:schemeClr val="dk1"/>
+          </a:fillRef>
+          <a:effectRef idx="2">
+            <a:schemeClr val="dk1"/>
+          </a:effectRef>
+          <a:fontRef idx="minor">
+            <a:schemeClr val="tx1"/>
+          </a:fontRef>
+        </p:style>
+      </p:cxnSp>
+      <p:sp>
+        <p:nvSpPr>
+          <p:cNvPr id="27" name="ZoneTexte 26"/>
+          <p:cNvSpPr txBox="1"/>
+          <p:nvPr/>
+        </p:nvSpPr>
+        <p:spPr>
+          <a:xfrm>
+            <a:off x="9804399" y="5520065"/>
+            <a:ext cx="1938867" cy="923330"/>
+          </a:xfrm>
+          <a:prstGeom prst="rect">
+            <a:avLst/>
+          </a:prstGeom>
+          <a:noFill/>
+        </p:spPr>
+        <p:txBody>
+          <a:bodyPr wrap="square" rtlCol="0">
+            <a:spAutoFit/>
+          </a:bodyPr>
+          <a:lstStyle/>
+          <a:p>
+            <a:r>
+              <a:rPr lang="fr-FR" dirty="0" err="1" smtClean="0"/>
+              <a:t>Refined</a:t>
+            </a:r>
+            <a:r>
+              <a:rPr lang="fr-FR" dirty="0" smtClean="0"/>
+              <a:t> structure </a:t>
+            </a:r>
+            <a:r>
+              <a:rPr lang="fr-FR" dirty="0" err="1" smtClean="0"/>
+              <a:t>with</a:t>
+            </a:r>
+            <a:r>
+              <a:rPr lang="fr-FR" dirty="0" smtClean="0"/>
+              <a:t> </a:t>
+            </a:r>
+            <a:r>
+              <a:rPr lang="fr-FR" dirty="0" err="1" smtClean="0"/>
+              <a:t>intermediate</a:t>
+            </a:r>
+            <a:r>
+              <a:rPr lang="fr-FR" dirty="0" smtClean="0"/>
+              <a:t> abstract modules</a:t>
+            </a:r>
+            <a:endParaRPr lang="fr-FR" dirty="0"/>
           </a:p>
         </p:txBody>
       </p:sp>

--- a/research.pptx
+++ b/research.pptx
@@ -246,7 +246,7 @@
           <a:p>
             <a:fld id="{09E8EDEC-27B7-4773-AEB6-23AA9A9399FF}" type="datetimeFigureOut">
               <a:rPr lang="fr-FR" smtClean="0"/>
-              <a:t>12/04/2018</a:t>
+              <a:t>13/04/2018</a:t>
             </a:fld>
             <a:endParaRPr lang="fr-FR"/>
           </a:p>
@@ -416,7 +416,7 @@
           <a:p>
             <a:fld id="{09E8EDEC-27B7-4773-AEB6-23AA9A9399FF}" type="datetimeFigureOut">
               <a:rPr lang="fr-FR" smtClean="0"/>
-              <a:t>12/04/2018</a:t>
+              <a:t>13/04/2018</a:t>
             </a:fld>
             <a:endParaRPr lang="fr-FR"/>
           </a:p>
@@ -596,7 +596,7 @@
           <a:p>
             <a:fld id="{09E8EDEC-27B7-4773-AEB6-23AA9A9399FF}" type="datetimeFigureOut">
               <a:rPr lang="fr-FR" smtClean="0"/>
-              <a:t>12/04/2018</a:t>
+              <a:t>13/04/2018</a:t>
             </a:fld>
             <a:endParaRPr lang="fr-FR"/>
           </a:p>
@@ -766,7 +766,7 @@
           <a:p>
             <a:fld id="{09E8EDEC-27B7-4773-AEB6-23AA9A9399FF}" type="datetimeFigureOut">
               <a:rPr lang="fr-FR" smtClean="0"/>
-              <a:t>12/04/2018</a:t>
+              <a:t>13/04/2018</a:t>
             </a:fld>
             <a:endParaRPr lang="fr-FR"/>
           </a:p>
@@ -1012,7 +1012,7 @@
           <a:p>
             <a:fld id="{09E8EDEC-27B7-4773-AEB6-23AA9A9399FF}" type="datetimeFigureOut">
               <a:rPr lang="fr-FR" smtClean="0"/>
-              <a:t>12/04/2018</a:t>
+              <a:t>13/04/2018</a:t>
             </a:fld>
             <a:endParaRPr lang="fr-FR"/>
           </a:p>
@@ -1244,7 +1244,7 @@
           <a:p>
             <a:fld id="{09E8EDEC-27B7-4773-AEB6-23AA9A9399FF}" type="datetimeFigureOut">
               <a:rPr lang="fr-FR" smtClean="0"/>
-              <a:t>12/04/2018</a:t>
+              <a:t>13/04/2018</a:t>
             </a:fld>
             <a:endParaRPr lang="fr-FR"/>
           </a:p>
@@ -1611,7 +1611,7 @@
           <a:p>
             <a:fld id="{09E8EDEC-27B7-4773-AEB6-23AA9A9399FF}" type="datetimeFigureOut">
               <a:rPr lang="fr-FR" smtClean="0"/>
-              <a:t>12/04/2018</a:t>
+              <a:t>13/04/2018</a:t>
             </a:fld>
             <a:endParaRPr lang="fr-FR"/>
           </a:p>
@@ -1729,7 +1729,7 @@
           <a:p>
             <a:fld id="{09E8EDEC-27B7-4773-AEB6-23AA9A9399FF}" type="datetimeFigureOut">
               <a:rPr lang="fr-FR" smtClean="0"/>
-              <a:t>12/04/2018</a:t>
+              <a:t>13/04/2018</a:t>
             </a:fld>
             <a:endParaRPr lang="fr-FR"/>
           </a:p>
@@ -1824,7 +1824,7 @@
           <a:p>
             <a:fld id="{09E8EDEC-27B7-4773-AEB6-23AA9A9399FF}" type="datetimeFigureOut">
               <a:rPr lang="fr-FR" smtClean="0"/>
-              <a:t>12/04/2018</a:t>
+              <a:t>13/04/2018</a:t>
             </a:fld>
             <a:endParaRPr lang="fr-FR"/>
           </a:p>
@@ -2101,7 +2101,7 @@
           <a:p>
             <a:fld id="{09E8EDEC-27B7-4773-AEB6-23AA9A9399FF}" type="datetimeFigureOut">
               <a:rPr lang="fr-FR" smtClean="0"/>
-              <a:t>12/04/2018</a:t>
+              <a:t>13/04/2018</a:t>
             </a:fld>
             <a:endParaRPr lang="fr-FR"/>
           </a:p>
@@ -2354,7 +2354,7 @@
           <a:p>
             <a:fld id="{09E8EDEC-27B7-4773-AEB6-23AA9A9399FF}" type="datetimeFigureOut">
               <a:rPr lang="fr-FR" smtClean="0"/>
-              <a:t>12/04/2018</a:t>
+              <a:t>13/04/2018</a:t>
             </a:fld>
             <a:endParaRPr lang="fr-FR"/>
           </a:p>
@@ -2567,7 +2567,7 @@
           <a:p>
             <a:fld id="{09E8EDEC-27B7-4773-AEB6-23AA9A9399FF}" type="datetimeFigureOut">
               <a:rPr lang="fr-FR" smtClean="0"/>
-              <a:t>12/04/2018</a:t>
+              <a:t>13/04/2018</a:t>
             </a:fld>
             <a:endParaRPr lang="fr-FR"/>
           </a:p>
@@ -3461,15 +3461,7 @@
             </a:r>
             <a:r>
               <a:rPr lang="en-US" dirty="0" smtClean="0"/>
-              <a:t>, </a:t>
-            </a:r>
-            <a:r>
-              <a:rPr lang="en-US" dirty="0" smtClean="0"/>
-              <a:t>more </a:t>
-            </a:r>
-            <a:r>
-              <a:rPr lang="en-US" dirty="0" smtClean="0"/>
-              <a:t>intuitive, etc.)</a:t>
+              <a:t>, more intuitive, etc.)</a:t>
             </a:r>
           </a:p>
         </p:txBody>
@@ -3638,11 +3630,7 @@
             </a:r>
             <a:r>
               <a:rPr lang="fr-FR" dirty="0" smtClean="0"/>
-              <a:t> </a:t>
-            </a:r>
-            <a:r>
-              <a:rPr lang="fr-FR" dirty="0" smtClean="0"/>
-              <a:t>on </a:t>
+              <a:t> on </a:t>
             </a:r>
             <a:r>
               <a:rPr lang="fr-FR" dirty="0" err="1" smtClean="0"/>
@@ -3978,32 +3966,24 @@
               </a:lnSpc>
             </a:pPr>
             <a:r>
-              <a:rPr lang="fr-FR" dirty="0" err="1" smtClean="0"/>
-              <a:t>Tested</a:t>
-            </a:r>
-            <a:r>
-              <a:rPr lang="fr-FR" dirty="0" smtClean="0"/>
-              <a:t> on Raft &amp; </a:t>
-            </a:r>
-            <a:r>
-              <a:rPr lang="fr-FR" dirty="0" err="1" smtClean="0"/>
-              <a:t>Paxos</a:t>
-            </a:r>
-            <a:r>
-              <a:rPr lang="fr-FR" dirty="0" smtClean="0"/>
-              <a:t> </a:t>
-            </a:r>
-            <a:r>
-              <a:rPr lang="fr-FR" dirty="0" err="1" smtClean="0"/>
-              <a:t>using</a:t>
-            </a:r>
-            <a:r>
-              <a:rPr lang="fr-FR" dirty="0" smtClean="0"/>
-              <a:t> </a:t>
-            </a:r>
-            <a:r>
-              <a:rPr lang="fr-FR" dirty="0" err="1" smtClean="0"/>
-              <a:t>Ivy</a:t>
+              <a:rPr lang="fr-FR" dirty="0" smtClean="0"/>
+              <a:t>Can </a:t>
+            </a:r>
+            <a:r>
+              <a:rPr lang="fr-FR" dirty="0" err="1" smtClean="0"/>
+              <a:t>avoid</a:t>
+            </a:r>
+            <a:r>
+              <a:rPr lang="fr-FR" dirty="0" smtClean="0"/>
+              <a:t> quantifier alternation cycles &amp; </a:t>
+            </a:r>
+            <a:r>
+              <a:rPr lang="fr-FR" dirty="0" err="1" smtClean="0"/>
+              <a:t>allow</a:t>
+            </a:r>
+            <a:r>
+              <a:rPr lang="fr-FR" dirty="0" smtClean="0"/>
+              <a:t> the use of multiple fragments</a:t>
             </a:r>
             <a:endParaRPr lang="fr-FR" dirty="0" smtClean="0"/>
           </a:p>
@@ -4013,6 +3993,34 @@
                 <a:spcPct val="100000"/>
               </a:lnSpc>
             </a:pPr>
+            <a:r>
+              <a:rPr lang="fr-FR" dirty="0" err="1" smtClean="0"/>
+              <a:t>Tested</a:t>
+            </a:r>
+            <a:r>
+              <a:rPr lang="fr-FR" dirty="0" smtClean="0"/>
+              <a:t> on Raft &amp; </a:t>
+            </a:r>
+            <a:r>
+              <a:rPr lang="fr-FR" dirty="0" err="1" smtClean="0"/>
+              <a:t>Paxos</a:t>
+            </a:r>
+            <a:r>
+              <a:rPr lang="fr-FR" dirty="0" smtClean="0"/>
+              <a:t> </a:t>
+            </a:r>
+            <a:r>
+              <a:rPr lang="fr-FR" dirty="0" err="1" smtClean="0"/>
+              <a:t>using</a:t>
+            </a:r>
+            <a:r>
+              <a:rPr lang="fr-FR" dirty="0" smtClean="0"/>
+              <a:t> </a:t>
+            </a:r>
+            <a:r>
+              <a:rPr lang="fr-FR" dirty="0" err="1" smtClean="0"/>
+              <a:t>Ivy</a:t>
+            </a:r>
             <a:endParaRPr lang="fr-FR" dirty="0"/>
           </a:p>
           <a:p>
@@ -4078,7 +4086,31 @@
             </a:r>
             <a:r>
               <a:rPr lang="fr-FR" i="1" dirty="0" smtClean="0"/>
-              <a:t> modules</a:t>
+              <a:t> </a:t>
+            </a:r>
+            <a:r>
+              <a:rPr lang="fr-FR" i="1" dirty="0" smtClean="0"/>
+              <a:t>modules </a:t>
+            </a:r>
+            <a:r>
+              <a:rPr lang="fr-FR" dirty="0" smtClean="0"/>
+              <a:t>and </a:t>
+            </a:r>
+            <a:r>
+              <a:rPr lang="fr-FR" dirty="0" err="1" smtClean="0"/>
+              <a:t>determine</a:t>
+            </a:r>
+            <a:r>
+              <a:rPr lang="fr-FR" dirty="0" smtClean="0"/>
+              <a:t> the fragment to use for </a:t>
+            </a:r>
+            <a:r>
+              <a:rPr lang="fr-FR" dirty="0" err="1" smtClean="0"/>
+              <a:t>each</a:t>
+            </a:r>
+            <a:r>
+              <a:rPr lang="fr-FR" smtClean="0"/>
+              <a:t> one</a:t>
             </a:r>
             <a:endParaRPr lang="fr-FR" dirty="0"/>
           </a:p>
@@ -4100,7 +4132,7 @@
         </p:blipFill>
         <p:spPr>
           <a:xfrm>
-            <a:off x="7403042" y="5124450"/>
+            <a:off x="7403042" y="5005916"/>
             <a:ext cx="2152650" cy="1524000"/>
           </a:xfrm>
           <a:prstGeom prst="rect">
@@ -4116,7 +4148,7 @@
         </p:nvSpPr>
         <p:spPr>
           <a:xfrm>
-            <a:off x="2429934" y="5975350"/>
+            <a:off x="2429934" y="5856816"/>
             <a:ext cx="1397000" cy="673100"/>
           </a:xfrm>
           <a:prstGeom prst="rect">
@@ -4158,7 +4190,7 @@
         </p:nvSpPr>
         <p:spPr>
           <a:xfrm>
-            <a:off x="4597402" y="5975350"/>
+            <a:off x="4597402" y="5856816"/>
             <a:ext cx="1397000" cy="673100"/>
           </a:xfrm>
           <a:prstGeom prst="rect">
@@ -4203,7 +4235,7 @@
         </p:nvCxnSpPr>
         <p:spPr>
           <a:xfrm>
-            <a:off x="3826934" y="6311900"/>
+            <a:off x="3826934" y="6193366"/>
             <a:ext cx="770468" cy="0"/>
           </a:xfrm>
           <a:prstGeom prst="straightConnector1">
@@ -4236,7 +4268,7 @@
         </p:nvSpPr>
         <p:spPr>
           <a:xfrm>
-            <a:off x="3826934" y="6311900"/>
+            <a:off x="3826934" y="6193366"/>
             <a:ext cx="770468" cy="369332"/>
           </a:xfrm>
           <a:prstGeom prst="rect">
@@ -4267,7 +4299,7 @@
         </p:nvSpPr>
         <p:spPr>
           <a:xfrm>
-            <a:off x="2429934" y="5253365"/>
+            <a:off x="2429934" y="5134831"/>
             <a:ext cx="1303868" cy="533400"/>
           </a:xfrm>
           <a:prstGeom prst="ellipse">
@@ -4309,7 +4341,7 @@
         </p:nvSpPr>
         <p:spPr>
           <a:xfrm>
-            <a:off x="4301067" y="5254450"/>
+            <a:off x="4301067" y="5135916"/>
             <a:ext cx="1303868" cy="533400"/>
           </a:xfrm>
           <a:prstGeom prst="ellipse">
@@ -4354,7 +4386,7 @@
         </p:nvCxnSpPr>
         <p:spPr>
           <a:xfrm>
-            <a:off x="3733802" y="5520065"/>
+            <a:off x="3733802" y="5401531"/>
             <a:ext cx="567265" cy="1085"/>
           </a:xfrm>
           <a:prstGeom prst="straightConnector1">
@@ -4390,7 +4422,7 @@
         </p:nvCxnSpPr>
         <p:spPr>
           <a:xfrm rot="16200000" flipV="1">
-            <a:off x="4016893" y="4857443"/>
+            <a:off x="4016893" y="4738909"/>
             <a:ext cx="1085" cy="949159"/>
           </a:xfrm>
           <a:prstGeom prst="curvedConnector3">
@@ -4425,7 +4457,7 @@
         </p:nvSpPr>
         <p:spPr>
           <a:xfrm>
-            <a:off x="838200" y="5383265"/>
+            <a:off x="838200" y="5264731"/>
             <a:ext cx="1439334" cy="646331"/>
           </a:xfrm>
           <a:prstGeom prst="rect">
@@ -4455,7 +4487,7 @@
         </p:nvSpPr>
         <p:spPr>
           <a:xfrm>
-            <a:off x="838200" y="6197395"/>
+            <a:off x="838200" y="6078861"/>
             <a:ext cx="1591734" cy="369332"/>
           </a:xfrm>
           <a:prstGeom prst="rect">
@@ -4485,7 +4517,7 @@
         </p:nvCxnSpPr>
         <p:spPr>
           <a:xfrm>
-            <a:off x="6467476" y="5786765"/>
+            <a:off x="6467476" y="5668231"/>
             <a:ext cx="703791" cy="0"/>
           </a:xfrm>
           <a:prstGeom prst="straightConnector1">
@@ -4518,7 +4550,7 @@
         </p:nvSpPr>
         <p:spPr>
           <a:xfrm>
-            <a:off x="9804399" y="5520065"/>
+            <a:off x="9804399" y="5401531"/>
             <a:ext cx="1938867" cy="923330"/>
           </a:xfrm>
           <a:prstGeom prst="rect">

--- a/research.pptx
+++ b/research.pptx
@@ -3063,6 +3063,7 @@
               <a:rPr lang="fr-FR" sz="2000" dirty="0" smtClean="0"/>
               <a:t>)</a:t>
             </a:r>
+            <a:endParaRPr lang="fr-FR" sz="2000" dirty="0" smtClean="0"/>
           </a:p>
           <a:p>
             <a:pPr>
@@ -3326,7 +3327,7 @@
         </p:spPr>
         <p:txBody>
           <a:bodyPr>
-            <a:normAutofit lnSpcReduction="10000"/>
+            <a:normAutofit fontScale="85000" lnSpcReduction="20000"/>
           </a:bodyPr>
           <a:lstStyle/>
           <a:p>
@@ -3461,8 +3462,36 @@
             </a:r>
             <a:r>
               <a:rPr lang="en-US" dirty="0" smtClean="0"/>
-              <a:t>, more intuitive, etc.)</a:t>
-            </a:r>
+              <a:t>, more intuitive, etc</a:t>
+            </a:r>
+            <a:r>
+              <a:rPr lang="en-US" dirty="0" smtClean="0"/>
+              <a:t>.)</a:t>
+            </a:r>
+          </a:p>
+          <a:p>
+            <a:pPr lvl="1">
+              <a:lnSpc>
+                <a:spcPct val="150000"/>
+              </a:lnSpc>
+            </a:pPr>
+            <a:r>
+              <a:rPr lang="en-US" dirty="0" smtClean="0"/>
+              <a:t>Expand the domain (allow quantifier alternations)</a:t>
+            </a:r>
+            <a:endParaRPr lang="en-US" dirty="0" smtClean="0"/>
+          </a:p>
+          <a:p>
+            <a:pPr lvl="1">
+              <a:lnSpc>
+                <a:spcPct val="150000"/>
+              </a:lnSpc>
+            </a:pPr>
+            <a:r>
+              <a:rPr lang="en-US" dirty="0" smtClean="0"/>
+              <a:t>Encode (partially) invariants on types using session types?</a:t>
+            </a:r>
+            <a:endParaRPr lang="en-US" dirty="0" smtClean="0"/>
           </a:p>
         </p:txBody>
       </p:sp>
@@ -3985,7 +4014,6 @@
               <a:rPr lang="fr-FR" dirty="0" smtClean="0"/>
               <a:t> the use of multiple fragments</a:t>
             </a:r>
-            <a:endParaRPr lang="fr-FR" dirty="0" smtClean="0"/>
           </a:p>
           <a:p>
             <a:pPr lvl="1">
@@ -4086,11 +4114,7 @@
             </a:r>
             <a:r>
               <a:rPr lang="fr-FR" i="1" dirty="0" smtClean="0"/>
-              <a:t> </a:t>
-            </a:r>
-            <a:r>
-              <a:rPr lang="fr-FR" i="1" dirty="0" smtClean="0"/>
-              <a:t>modules </a:t>
+              <a:t> modules </a:t>
             </a:r>
             <a:r>
               <a:rPr lang="fr-FR" dirty="0" smtClean="0"/>
@@ -4109,7 +4133,7 @@
               <a:t>each</a:t>
             </a:r>
             <a:r>
-              <a:rPr lang="fr-FR" smtClean="0"/>
+              <a:rPr lang="fr-FR" dirty="0" smtClean="0"/>
               <a:t> one</a:t>
             </a:r>
             <a:endParaRPr lang="fr-FR" dirty="0"/>
@@ -4457,7 +4481,7 @@
         </p:nvSpPr>
         <p:spPr>
           <a:xfrm>
-            <a:off x="838200" y="5264731"/>
+            <a:off x="838200" y="5005916"/>
             <a:ext cx="1439334" cy="646331"/>
           </a:xfrm>
           <a:prstGeom prst="rect">
@@ -4550,7 +4574,7 @@
         </p:nvSpPr>
         <p:spPr>
           <a:xfrm>
-            <a:off x="9804399" y="5401531"/>
+            <a:off x="9761009" y="5238285"/>
             <a:ext cx="1938867" cy="923330"/>
           </a:xfrm>
           <a:prstGeom prst="rect">
@@ -4588,7 +4612,6 @@
               <a:rPr lang="fr-FR" dirty="0" smtClean="0"/>
               <a:t> abstract modules</a:t>
             </a:r>
-            <a:endParaRPr lang="fr-FR" dirty="0"/>
           </a:p>
         </p:txBody>
       </p:sp>
